--- a/LDATS.pptx
+++ b/LDATS.pptx
@@ -27,7 +27,9 @@
     <p:sldId id="275" r:id="rId21"/>
     <p:sldId id="277" r:id="rId22"/>
     <p:sldId id="278" r:id="rId23"/>
-    <p:sldId id="279" r:id="rId24"/>
+    <p:sldId id="280" r:id="rId24"/>
+    <p:sldId id="281" r:id="rId25"/>
+    <p:sldId id="282" r:id="rId26"/>
   </p:sldIdLst>
   <p:sldSz cx="12192000" cy="6858000"/>
   <p:notesSz cx="6858000" cy="9144000"/>
@@ -126,6 +128,11 @@
       </a:defRPr>
     </a:lvl9pPr>
   </p:defaultTextStyle>
+  <p:extLst>
+    <p:ext uri="{EFAFB233-063F-42B5-8137-9DF3F51BA10A}">
+      <p15:sldGuideLst xmlns:p15="http://schemas.microsoft.com/office/powerpoint/2012/main"/>
+    </p:ext>
+  </p:extLst>
 </p:presentation>
 </file>
 
@@ -5440,7 +5447,7 @@
           <p:cNvPr id="2" name="Title 1">
             <a:extLst>
               <a:ext uri="{FF2B5EF4-FFF2-40B4-BE49-F238E27FC236}">
-                <a16:creationId xmlns:a16="http://schemas.microsoft.com/office/drawing/2014/main" id="{26AD57DA-9306-4151-8829-6397AA5C0BBB}"/>
+                <a16:creationId xmlns:a16="http://schemas.microsoft.com/office/drawing/2014/main" id="{E895AC28-447F-48F7-AA53-D41D9AA08A98}"/>
               </a:ext>
             </a:extLst>
           </p:cNvPr>
@@ -5473,7 +5480,7 @@
           <p:cNvPr id="3" name="Content Placeholder 2">
             <a:extLst>
               <a:ext uri="{FF2B5EF4-FFF2-40B4-BE49-F238E27FC236}">
-                <a16:creationId xmlns:a16="http://schemas.microsoft.com/office/drawing/2014/main" id="{9812F41E-2EC1-4223-BDC2-91C007CA932F}"/>
+                <a16:creationId xmlns:a16="http://schemas.microsoft.com/office/drawing/2014/main" id="{9E8C2920-48CF-4177-B2A3-610494B51264}"/>
               </a:ext>
             </a:extLst>
           </p:cNvPr>
@@ -5541,7 +5548,261 @@
     </p:spTree>
     <p:extLst>
       <p:ext uri="{BB962C8B-B14F-4D97-AF65-F5344CB8AC3E}">
-        <p14:creationId xmlns:p14="http://schemas.microsoft.com/office/powerpoint/2010/main" val="3342185516"/>
+        <p14:creationId xmlns:p14="http://schemas.microsoft.com/office/powerpoint/2010/main" val="2422547333"/>
+      </p:ext>
+    </p:extLst>
+  </p:cSld>
+  <p:clrMapOvr>
+    <a:masterClrMapping/>
+  </p:clrMapOvr>
+</p:sld>
+</file>
+
+<file path=ppt/slides/slide24.xml><?xml version="1.0" encoding="utf-8"?>
+<p:sld xmlns:a="http://schemas.openxmlformats.org/drawingml/2006/main" xmlns:r="http://schemas.openxmlformats.org/officeDocument/2006/relationships" xmlns:p="http://schemas.openxmlformats.org/presentationml/2006/main">
+  <p:cSld>
+    <p:spTree>
+      <p:nvGrpSpPr>
+        <p:cNvPr id="1" name=""/>
+        <p:cNvGrpSpPr/>
+        <p:nvPr/>
+      </p:nvGrpSpPr>
+      <p:grpSpPr>
+        <a:xfrm>
+          <a:off x="0" y="0"/>
+          <a:ext cx="0" cy="0"/>
+          <a:chOff x="0" y="0"/>
+          <a:chExt cx="0" cy="0"/>
+        </a:xfrm>
+      </p:grpSpPr>
+      <p:sp>
+        <p:nvSpPr>
+          <p:cNvPr id="2" name="Title 1">
+            <a:extLst>
+              <a:ext uri="{FF2B5EF4-FFF2-40B4-BE49-F238E27FC236}">
+                <a16:creationId xmlns:a16="http://schemas.microsoft.com/office/drawing/2014/main" id="{6FC33DF9-5E59-4661-8C91-3BD66CEF1EC9}"/>
+              </a:ext>
+            </a:extLst>
+          </p:cNvPr>
+          <p:cNvSpPr>
+            <a:spLocks noGrp="1"/>
+          </p:cNvSpPr>
+          <p:nvPr>
+            <p:ph type="title"/>
+          </p:nvPr>
+        </p:nvSpPr>
+        <p:spPr/>
+        <p:txBody>
+          <a:bodyPr/>
+          <a:lstStyle/>
+          <a:p>
+            <a:r>
+              <a:rPr lang="en-US" dirty="0"/>
+              <a:t>What do we get</a:t>
+            </a:r>
+            <a:r>
+              <a:rPr lang="en-US" baseline="0" dirty="0"/>
+              <a:t> out of doing this </a:t>
+            </a:r>
+            <a:r>
+              <a:rPr lang="en-US" b="1" baseline="0" dirty="0"/>
+              <a:t>at scale</a:t>
+            </a:r>
+            <a:r>
+              <a:rPr lang="en-US" b="0" baseline="0" dirty="0"/>
+              <a:t>?</a:t>
+            </a:r>
+            <a:endParaRPr lang="en-US" dirty="0"/>
+          </a:p>
+        </p:txBody>
+      </p:sp>
+      <p:sp>
+        <p:nvSpPr>
+          <p:cNvPr id="3" name="Content Placeholder 2">
+            <a:extLst>
+              <a:ext uri="{FF2B5EF4-FFF2-40B4-BE49-F238E27FC236}">
+                <a16:creationId xmlns:a16="http://schemas.microsoft.com/office/drawing/2014/main" id="{E8882D15-F20A-4CD7-B0C1-C10C818C9D03}"/>
+              </a:ext>
+            </a:extLst>
+          </p:cNvPr>
+          <p:cNvSpPr>
+            <a:spLocks noGrp="1"/>
+          </p:cNvSpPr>
+          <p:nvPr>
+            <p:ph idx="1"/>
+          </p:nvPr>
+        </p:nvSpPr>
+        <p:spPr/>
+        <p:txBody>
+          <a:bodyPr/>
+          <a:lstStyle/>
+          <a:p>
+            <a:r>
+              <a:rPr lang="en-US" b="0" dirty="0"/>
+              <a:t>How</a:t>
+            </a:r>
+            <a:r>
+              <a:rPr lang="en-US" b="0" baseline="0" dirty="0"/>
+              <a:t> many “eras” (in terms of community composition) are we finding?</a:t>
+            </a:r>
+          </a:p>
+          <a:p>
+            <a:r>
+              <a:rPr lang="en-US" b="0" baseline="0" dirty="0"/>
+              <a:t>Are we finding evidence of abrupt or gradual transitions?</a:t>
+            </a:r>
+          </a:p>
+          <a:p>
+            <a:r>
+              <a:rPr lang="en-US" dirty="0"/>
+              <a:t>What is the timing of these transitions?</a:t>
+            </a:r>
+          </a:p>
+        </p:txBody>
+      </p:sp>
+    </p:spTree>
+    <p:extLst>
+      <p:ext uri="{BB962C8B-B14F-4D97-AF65-F5344CB8AC3E}">
+        <p14:creationId xmlns:p14="http://schemas.microsoft.com/office/powerpoint/2010/main" val="3768116426"/>
+      </p:ext>
+    </p:extLst>
+  </p:cSld>
+  <p:clrMapOvr>
+    <a:masterClrMapping/>
+  </p:clrMapOvr>
+</p:sld>
+</file>
+
+<file path=ppt/slides/slide25.xml><?xml version="1.0" encoding="utf-8"?>
+<p:sld xmlns:a="http://schemas.openxmlformats.org/drawingml/2006/main" xmlns:r="http://schemas.openxmlformats.org/officeDocument/2006/relationships" xmlns:p="http://schemas.openxmlformats.org/presentationml/2006/main">
+  <p:cSld>
+    <p:spTree>
+      <p:nvGrpSpPr>
+        <p:cNvPr id="1" name=""/>
+        <p:cNvGrpSpPr/>
+        <p:nvPr/>
+      </p:nvGrpSpPr>
+      <p:grpSpPr>
+        <a:xfrm>
+          <a:off x="0" y="0"/>
+          <a:ext cx="0" cy="0"/>
+          <a:chOff x="0" y="0"/>
+          <a:chExt cx="0" cy="0"/>
+        </a:xfrm>
+      </p:grpSpPr>
+      <p:sp>
+        <p:nvSpPr>
+          <p:cNvPr id="2" name="Title 1">
+            <a:extLst>
+              <a:ext uri="{FF2B5EF4-FFF2-40B4-BE49-F238E27FC236}">
+                <a16:creationId xmlns:a16="http://schemas.microsoft.com/office/drawing/2014/main" id="{7E8421F7-4C8C-42C1-84F0-47198568C170}"/>
+              </a:ext>
+            </a:extLst>
+          </p:cNvPr>
+          <p:cNvSpPr>
+            <a:spLocks noGrp="1"/>
+          </p:cNvSpPr>
+          <p:nvPr>
+            <p:ph type="title"/>
+          </p:nvPr>
+        </p:nvSpPr>
+        <p:spPr/>
+        <p:txBody>
+          <a:bodyPr/>
+          <a:lstStyle/>
+          <a:p>
+            <a:r>
+              <a:rPr lang="en-US" dirty="0"/>
+              <a:t>Current state of 2020 implementation</a:t>
+            </a:r>
+          </a:p>
+        </p:txBody>
+      </p:sp>
+      <p:sp>
+        <p:nvSpPr>
+          <p:cNvPr id="3" name="Content Placeholder 2">
+            <a:extLst>
+              <a:ext uri="{FF2B5EF4-FFF2-40B4-BE49-F238E27FC236}">
+                <a16:creationId xmlns:a16="http://schemas.microsoft.com/office/drawing/2014/main" id="{1E53F7D0-CA88-419D-987E-1B60B4DBAF33}"/>
+              </a:ext>
+            </a:extLst>
+          </p:cNvPr>
+          <p:cNvSpPr>
+            <a:spLocks noGrp="1"/>
+          </p:cNvSpPr>
+          <p:nvPr>
+            <p:ph idx="1"/>
+          </p:nvPr>
+        </p:nvSpPr>
+        <p:spPr/>
+        <p:txBody>
+          <a:bodyPr/>
+          <a:lstStyle/>
+          <a:p>
+            <a:r>
+              <a:rPr lang="en-US" dirty="0"/>
+              <a:t>Rough functions to implement LOO </a:t>
+            </a:r>
+            <a:r>
+              <a:rPr lang="en-US" dirty="0" err="1"/>
+              <a:t>crossvalidation</a:t>
+            </a:r>
+            <a:r>
+              <a:rPr lang="en-US" dirty="0"/>
+              <a:t>, illustrated for a single community and a single set of k, seed, </a:t>
+            </a:r>
+            <a:r>
+              <a:rPr lang="en-US" dirty="0" err="1"/>
+              <a:t>ncpts</a:t>
+            </a:r>
+            <a:endParaRPr lang="en-US" dirty="0"/>
+          </a:p>
+          <a:p>
+            <a:r>
+              <a:rPr lang="en-US" dirty="0"/>
+              <a:t>Next would be to </a:t>
+            </a:r>
+          </a:p>
+          <a:p>
+            <a:pPr lvl="1"/>
+            <a:r>
+              <a:rPr lang="en-US" dirty="0"/>
+              <a:t>Document + double check </a:t>
+            </a:r>
+            <a:r>
+              <a:rPr lang="en-US" dirty="0" err="1"/>
+              <a:t>crossvalidation</a:t>
+            </a:r>
+            <a:r>
+              <a:rPr lang="en-US" dirty="0"/>
+              <a:t> functions (it’s a complex pipeline)</a:t>
+            </a:r>
+          </a:p>
+          <a:p>
+            <a:pPr lvl="1"/>
+            <a:r>
+              <a:rPr lang="en-US" dirty="0"/>
+              <a:t>Scale up to multiple values for k, seed, </a:t>
+            </a:r>
+            <a:r>
+              <a:rPr lang="en-US" dirty="0" err="1"/>
+              <a:t>ncpts</a:t>
+            </a:r>
+            <a:endParaRPr lang="en-US" dirty="0"/>
+          </a:p>
+          <a:p>
+            <a:pPr lvl="2"/>
+            <a:r>
+              <a:rPr lang="en-US" dirty="0"/>
+              <a:t>This involves converting to a drake plan, I think</a:t>
+            </a:r>
+          </a:p>
+        </p:txBody>
+      </p:sp>
+    </p:spTree>
+    <p:extLst>
+      <p:ext uri="{BB962C8B-B14F-4D97-AF65-F5344CB8AC3E}">
+        <p14:creationId xmlns:p14="http://schemas.microsoft.com/office/powerpoint/2010/main" val="2451115450"/>
       </p:ext>
     </p:extLst>
   </p:cSld>

--- a/LDATS.pptx
+++ b/LDATS.pptx
@@ -30,6 +30,7 @@
     <p:sldId id="280" r:id="rId24"/>
     <p:sldId id="281" r:id="rId25"/>
     <p:sldId id="282" r:id="rId26"/>
+    <p:sldId id="283" r:id="rId27"/>
   </p:sldIdLst>
   <p:sldSz cx="12192000" cy="6858000"/>
   <p:notesSz cx="6858000" cy="9144000"/>
@@ -283,7 +284,7 @@
           <a:p>
             <a:fld id="{29CDE8F9-AC38-47E3-B3A4-004EDA973D6A}" type="datetimeFigureOut">
               <a:rPr lang="en-US" smtClean="0"/>
-              <a:t>10/1/2020</a:t>
+              <a:t>10/16/2020</a:t>
             </a:fld>
             <a:endParaRPr lang="en-US"/>
           </a:p>
@@ -481,7 +482,7 @@
           <a:p>
             <a:fld id="{29CDE8F9-AC38-47E3-B3A4-004EDA973D6A}" type="datetimeFigureOut">
               <a:rPr lang="en-US" smtClean="0"/>
-              <a:t>10/1/2020</a:t>
+              <a:t>10/16/2020</a:t>
             </a:fld>
             <a:endParaRPr lang="en-US"/>
           </a:p>
@@ -689,7 +690,7 @@
           <a:p>
             <a:fld id="{29CDE8F9-AC38-47E3-B3A4-004EDA973D6A}" type="datetimeFigureOut">
               <a:rPr lang="en-US" smtClean="0"/>
-              <a:t>10/1/2020</a:t>
+              <a:t>10/16/2020</a:t>
             </a:fld>
             <a:endParaRPr lang="en-US"/>
           </a:p>
@@ -887,7 +888,7 @@
           <a:p>
             <a:fld id="{29CDE8F9-AC38-47E3-B3A4-004EDA973D6A}" type="datetimeFigureOut">
               <a:rPr lang="en-US" smtClean="0"/>
-              <a:t>10/1/2020</a:t>
+              <a:t>10/16/2020</a:t>
             </a:fld>
             <a:endParaRPr lang="en-US"/>
           </a:p>
@@ -1162,7 +1163,7 @@
           <a:p>
             <a:fld id="{29CDE8F9-AC38-47E3-B3A4-004EDA973D6A}" type="datetimeFigureOut">
               <a:rPr lang="en-US" smtClean="0"/>
-              <a:t>10/1/2020</a:t>
+              <a:t>10/16/2020</a:t>
             </a:fld>
             <a:endParaRPr lang="en-US"/>
           </a:p>
@@ -1427,7 +1428,7 @@
           <a:p>
             <a:fld id="{29CDE8F9-AC38-47E3-B3A4-004EDA973D6A}" type="datetimeFigureOut">
               <a:rPr lang="en-US" smtClean="0"/>
-              <a:t>10/1/2020</a:t>
+              <a:t>10/16/2020</a:t>
             </a:fld>
             <a:endParaRPr lang="en-US"/>
           </a:p>
@@ -1839,7 +1840,7 @@
           <a:p>
             <a:fld id="{29CDE8F9-AC38-47E3-B3A4-004EDA973D6A}" type="datetimeFigureOut">
               <a:rPr lang="en-US" smtClean="0"/>
-              <a:t>10/1/2020</a:t>
+              <a:t>10/16/2020</a:t>
             </a:fld>
             <a:endParaRPr lang="en-US"/>
           </a:p>
@@ -1980,7 +1981,7 @@
           <a:p>
             <a:fld id="{29CDE8F9-AC38-47E3-B3A4-004EDA973D6A}" type="datetimeFigureOut">
               <a:rPr lang="en-US" smtClean="0"/>
-              <a:t>10/1/2020</a:t>
+              <a:t>10/16/2020</a:t>
             </a:fld>
             <a:endParaRPr lang="en-US"/>
           </a:p>
@@ -2093,7 +2094,7 @@
           <a:p>
             <a:fld id="{29CDE8F9-AC38-47E3-B3A4-004EDA973D6A}" type="datetimeFigureOut">
               <a:rPr lang="en-US" smtClean="0"/>
-              <a:t>10/1/2020</a:t>
+              <a:t>10/16/2020</a:t>
             </a:fld>
             <a:endParaRPr lang="en-US"/>
           </a:p>
@@ -2404,7 +2405,7 @@
           <a:p>
             <a:fld id="{29CDE8F9-AC38-47E3-B3A4-004EDA973D6A}" type="datetimeFigureOut">
               <a:rPr lang="en-US" smtClean="0"/>
-              <a:t>10/1/2020</a:t>
+              <a:t>10/16/2020</a:t>
             </a:fld>
             <a:endParaRPr lang="en-US"/>
           </a:p>
@@ -2692,7 +2693,7 @@
           <a:p>
             <a:fld id="{29CDE8F9-AC38-47E3-B3A4-004EDA973D6A}" type="datetimeFigureOut">
               <a:rPr lang="en-US" smtClean="0"/>
-              <a:t>10/1/2020</a:t>
+              <a:t>10/16/2020</a:t>
             </a:fld>
             <a:endParaRPr lang="en-US"/>
           </a:p>
@@ -2933,7 +2934,7 @@
           <a:p>
             <a:fld id="{29CDE8F9-AC38-47E3-B3A4-004EDA973D6A}" type="datetimeFigureOut">
               <a:rPr lang="en-US" smtClean="0"/>
-              <a:t>10/1/2020</a:t>
+              <a:t>10/16/2020</a:t>
             </a:fld>
             <a:endParaRPr lang="en-US"/>
           </a:p>
@@ -5812,6 +5813,93 @@
 </p:sld>
 </file>
 
+<file path=ppt/slides/slide26.xml><?xml version="1.0" encoding="utf-8"?>
+<p:sld xmlns:a="http://schemas.openxmlformats.org/drawingml/2006/main" xmlns:r="http://schemas.openxmlformats.org/officeDocument/2006/relationships" xmlns:p="http://schemas.openxmlformats.org/presentationml/2006/main">
+  <p:cSld>
+    <p:spTree>
+      <p:nvGrpSpPr>
+        <p:cNvPr id="1" name=""/>
+        <p:cNvGrpSpPr/>
+        <p:nvPr/>
+      </p:nvGrpSpPr>
+      <p:grpSpPr>
+        <a:xfrm>
+          <a:off x="0" y="0"/>
+          <a:ext cx="0" cy="0"/>
+          <a:chOff x="0" y="0"/>
+          <a:chExt cx="0" cy="0"/>
+        </a:xfrm>
+      </p:grpSpPr>
+      <p:sp>
+        <p:nvSpPr>
+          <p:cNvPr id="2" name="Title 1">
+            <a:extLst>
+              <a:ext uri="{FF2B5EF4-FFF2-40B4-BE49-F238E27FC236}">
+                <a16:creationId xmlns:a16="http://schemas.microsoft.com/office/drawing/2014/main" id="{13152A82-FD8F-4907-8CD8-417C3072C2C3}"/>
+              </a:ext>
+            </a:extLst>
+          </p:cNvPr>
+          <p:cNvSpPr>
+            <a:spLocks noGrp="1"/>
+          </p:cNvSpPr>
+          <p:nvPr>
+            <p:ph type="title"/>
+          </p:nvPr>
+        </p:nvSpPr>
+        <p:spPr/>
+        <p:txBody>
+          <a:bodyPr/>
+          <a:lstStyle/>
+          <a:p>
+            <a:r>
+              <a:rPr lang="en-US" dirty="0"/>
+              <a:t>2020 implementation</a:t>
+            </a:r>
+          </a:p>
+        </p:txBody>
+      </p:sp>
+      <p:sp>
+        <p:nvSpPr>
+          <p:cNvPr id="3" name="Content Placeholder 2">
+            <a:extLst>
+              <a:ext uri="{FF2B5EF4-FFF2-40B4-BE49-F238E27FC236}">
+                <a16:creationId xmlns:a16="http://schemas.microsoft.com/office/drawing/2014/main" id="{AA3BF943-645A-440B-A20E-8E6A6FB44E54}"/>
+              </a:ext>
+            </a:extLst>
+          </p:cNvPr>
+          <p:cNvSpPr>
+            <a:spLocks noGrp="1"/>
+          </p:cNvSpPr>
+          <p:nvPr>
+            <p:ph idx="1"/>
+          </p:nvPr>
+        </p:nvSpPr>
+        <p:spPr/>
+        <p:txBody>
+          <a:bodyPr/>
+          <a:lstStyle/>
+          <a:p>
+            <a:pPr marL="514350" indent="-514350">
+              <a:buFont typeface="+mj-lt"/>
+              <a:buAutoNum type="arabicPeriod"/>
+            </a:pPr>
+            <a:endParaRPr lang="en-US" dirty="0"/>
+          </a:p>
+        </p:txBody>
+      </p:sp>
+    </p:spTree>
+    <p:extLst>
+      <p:ext uri="{BB962C8B-B14F-4D97-AF65-F5344CB8AC3E}">
+        <p14:creationId xmlns:p14="http://schemas.microsoft.com/office/powerpoint/2010/main" val="3364807163"/>
+      </p:ext>
+    </p:extLst>
+  </p:cSld>
+  <p:clrMapOvr>
+    <a:masterClrMapping/>
+  </p:clrMapOvr>
+</p:sld>
+</file>
+
 <file path=ppt/slides/slide3.xml><?xml version="1.0" encoding="utf-8"?>
 <p:sld xmlns:a="http://schemas.openxmlformats.org/drawingml/2006/main" xmlns:r="http://schemas.openxmlformats.org/officeDocument/2006/relationships" xmlns:p="http://schemas.openxmlformats.org/presentationml/2006/main">
   <p:cSld>
